--- a/7. Documentation/6. Poster/[DRAFT] Dissertation Poster .pptx
+++ b/7. Documentation/6. Poster/[DRAFT] Dissertation Poster .pptx
@@ -1232,7 +1232,7 @@
   <dgm:whole/>
   <dgm:extLst>
     <a:ext uri="http://schemas.microsoft.com/office/drawing/2008/diagram">
-      <dsp:dataModelExt xmlns:dsp="http://schemas.microsoft.com/office/drawing/2008/diagram" relId="rId8" minVer="http://schemas.openxmlformats.org/drawingml/2006/diagram"/>
+      <dsp:dataModelExt xmlns:dsp="http://schemas.microsoft.com/office/drawing/2008/diagram" relId="rId7" minVer="http://schemas.openxmlformats.org/drawingml/2006/diagram"/>
     </a:ext>
   </dgm:extLst>
 </dgm:dataModel>
@@ -3047,7 +3047,7 @@
           <a:p>
             <a:fld id="{70F0E767-06F5-1743-8250-09BED16D1E0E}" type="datetimeFigureOut">
               <a:rPr lang="en-US" smtClean="0"/>
-              <a:t>5/13/25</a:t>
+              <a:t>5/15/25</a:t>
             </a:fld>
             <a:endParaRPr lang="en-US"/>
           </a:p>
@@ -3224,7 +3224,7 @@
           <a:p>
             <a:fld id="{01FC99CA-AF55-2547-B865-ACD414BD3D5B}" type="datetimeFigureOut">
               <a:rPr lang="en-US" smtClean="0"/>
-              <a:t>5/13/25</a:t>
+              <a:t>5/15/25</a:t>
             </a:fld>
             <a:endParaRPr lang="en-US"/>
           </a:p>
@@ -3706,7 +3706,7 @@
           <a:p>
             <a:fld id="{0D95E40B-6DE2-BC44-9D41-DAE6D07500F7}" type="datetimeFigureOut">
               <a:rPr lang="en-US" smtClean="0"/>
-              <a:t>5/13/25</a:t>
+              <a:t>5/15/25</a:t>
             </a:fld>
             <a:endParaRPr lang="en-US"/>
           </a:p>
@@ -3876,7 +3876,7 @@
           <a:p>
             <a:fld id="{0D95E40B-6DE2-BC44-9D41-DAE6D07500F7}" type="datetimeFigureOut">
               <a:rPr lang="en-US" smtClean="0"/>
-              <a:t>5/13/25</a:t>
+              <a:t>5/15/25</a:t>
             </a:fld>
             <a:endParaRPr lang="en-US"/>
           </a:p>
@@ -4056,7 +4056,7 @@
           <a:p>
             <a:fld id="{0D95E40B-6DE2-BC44-9D41-DAE6D07500F7}" type="datetimeFigureOut">
               <a:rPr lang="en-US" smtClean="0"/>
-              <a:t>5/13/25</a:t>
+              <a:t>5/15/25</a:t>
             </a:fld>
             <a:endParaRPr lang="en-US"/>
           </a:p>
@@ -4226,7 +4226,7 @@
           <a:p>
             <a:fld id="{0D95E40B-6DE2-BC44-9D41-DAE6D07500F7}" type="datetimeFigureOut">
               <a:rPr lang="en-US" smtClean="0"/>
-              <a:t>5/13/25</a:t>
+              <a:t>5/15/25</a:t>
             </a:fld>
             <a:endParaRPr lang="en-US"/>
           </a:p>
@@ -4470,7 +4470,7 @@
           <a:p>
             <a:fld id="{0D95E40B-6DE2-BC44-9D41-DAE6D07500F7}" type="datetimeFigureOut">
               <a:rPr lang="en-US" smtClean="0"/>
-              <a:t>5/13/25</a:t>
+              <a:t>5/15/25</a:t>
             </a:fld>
             <a:endParaRPr lang="en-US"/>
           </a:p>
@@ -4702,7 +4702,7 @@
           <a:p>
             <a:fld id="{0D95E40B-6DE2-BC44-9D41-DAE6D07500F7}" type="datetimeFigureOut">
               <a:rPr lang="en-US" smtClean="0"/>
-              <a:t>5/13/25</a:t>
+              <a:t>5/15/25</a:t>
             </a:fld>
             <a:endParaRPr lang="en-US"/>
           </a:p>
@@ -5069,7 +5069,7 @@
           <a:p>
             <a:fld id="{0D95E40B-6DE2-BC44-9D41-DAE6D07500F7}" type="datetimeFigureOut">
               <a:rPr lang="en-US" smtClean="0"/>
-              <a:t>5/13/25</a:t>
+              <a:t>5/15/25</a:t>
             </a:fld>
             <a:endParaRPr lang="en-US"/>
           </a:p>
@@ -5187,7 +5187,7 @@
           <a:p>
             <a:fld id="{0D95E40B-6DE2-BC44-9D41-DAE6D07500F7}" type="datetimeFigureOut">
               <a:rPr lang="en-US" smtClean="0"/>
-              <a:t>5/13/25</a:t>
+              <a:t>5/15/25</a:t>
             </a:fld>
             <a:endParaRPr lang="en-US"/>
           </a:p>
@@ -5282,7 +5282,7 @@
           <a:p>
             <a:fld id="{0D95E40B-6DE2-BC44-9D41-DAE6D07500F7}" type="datetimeFigureOut">
               <a:rPr lang="en-US" smtClean="0"/>
-              <a:t>5/13/25</a:t>
+              <a:t>5/15/25</a:t>
             </a:fld>
             <a:endParaRPr lang="en-US"/>
           </a:p>
@@ -5559,7 +5559,7 @@
           <a:p>
             <a:fld id="{0D95E40B-6DE2-BC44-9D41-DAE6D07500F7}" type="datetimeFigureOut">
               <a:rPr lang="en-US" smtClean="0"/>
-              <a:t>5/13/25</a:t>
+              <a:t>5/15/25</a:t>
             </a:fld>
             <a:endParaRPr lang="en-US"/>
           </a:p>
@@ -5816,7 +5816,7 @@
           <a:p>
             <a:fld id="{0D95E40B-6DE2-BC44-9D41-DAE6D07500F7}" type="datetimeFigureOut">
               <a:rPr lang="en-US" smtClean="0"/>
-              <a:t>5/13/25</a:t>
+              <a:t>5/15/25</a:t>
             </a:fld>
             <a:endParaRPr lang="en-US"/>
           </a:p>
@@ -6029,7 +6029,7 @@
           <a:p>
             <a:fld id="{0D95E40B-6DE2-BC44-9D41-DAE6D07500F7}" type="datetimeFigureOut">
               <a:rPr lang="en-US" smtClean="0"/>
-              <a:t>5/13/25</a:t>
+              <a:t>5/15/25</a:t>
             </a:fld>
             <a:endParaRPr lang="en-US"/>
           </a:p>
@@ -7121,7 +7121,7 @@
           <p:nvPr>
             <p:extLst>
               <p:ext uri="{D42A27DB-BD31-4B8C-83A1-F6EECF244321}">
-                <p14:modId xmlns:p14="http://schemas.microsoft.com/office/powerpoint/2010/main" val="2659059651"/>
+                <p14:modId xmlns:p14="http://schemas.microsoft.com/office/powerpoint/2010/main" val="1516818363"/>
               </p:ext>
             </p:extLst>
           </p:nvPr>
@@ -7328,10 +7328,18 @@
                           <a:ea typeface="Lato" panose="020F0502020204030203" pitchFamily="34" charset="0"/>
                           <a:cs typeface="Lato" panose="020F0502020204030203" pitchFamily="34" charset="0"/>
                         </a:rPr>
-                        <a:t>ilable</a:t>
+                        <a:t>ilabl</a:t>
                       </a:r>
                       <a:r>
-                        <a:rPr lang="en-US" sz="1600" u="none" dirty="0">
+                        <a:rPr lang="en-US" sz="1600" i="0" u="none" dirty="0">
+                          <a:latin typeface="Lato" panose="020F0502020204030203" pitchFamily="34" charset="0"/>
+                          <a:ea typeface="Lato" panose="020F0502020204030203" pitchFamily="34" charset="0"/>
+                          <a:cs typeface="Lato" panose="020F0502020204030203" pitchFamily="34" charset="0"/>
+                        </a:rPr>
+                        <a:t>e</a:t>
+                      </a:r>
+                      <a:r>
+                        <a:rPr lang="en-US" sz="1600" i="0" u="none" dirty="0">
                           <a:solidFill>
                             <a:schemeClr val="tx1"/>
                           </a:solidFill>
@@ -7339,34 +7347,8 @@
                           <a:ea typeface="Lato" panose="020F0502020204030203" pitchFamily="34" charset="0"/>
                           <a:cs typeface="Lato" panose="020F0502020204030203" pitchFamily="34" charset="0"/>
                         </a:rPr>
-                        <a:t>: </a:t>
+                        <a:t>: https://arxiv.org/abs/2503.21848</a:t>
                       </a:r>
-                      <a:r>
-                        <a:rPr lang="en-US" sz="1600" u="none" dirty="0">
-                          <a:solidFill>
-                            <a:schemeClr val="tx1"/>
-                          </a:solidFill>
-                          <a:latin typeface="Lato" panose="020F0502020204030203" pitchFamily="34" charset="0"/>
-                          <a:ea typeface="Lato" panose="020F0502020204030203" pitchFamily="34" charset="0"/>
-                          <a:cs typeface="Lato" panose="020F0502020204030203" pitchFamily="34" charset="0"/>
-                          <a:hlinkClick r:id="rId3">
-                            <a:extLst>
-                              <a:ext uri="{A12FA001-AC4F-418D-AE19-62706E023703}">
-                                <ahyp:hlinkClr xmlns:ahyp="http://schemas.microsoft.com/office/drawing/2018/hyperlinkcolor" val="tx"/>
-                              </a:ext>
-                            </a:extLst>
-                          </a:hlinkClick>
-                        </a:rPr>
-                        <a:t>https://arxiv.org/abs/2503.21848</a:t>
-                      </a:r>
-                      <a:endParaRPr lang="en-US" sz="1600" u="none" dirty="0">
-                        <a:solidFill>
-                          <a:schemeClr val="tx1"/>
-                        </a:solidFill>
-                        <a:latin typeface="Lato" panose="020F0502020204030203" pitchFamily="34" charset="0"/>
-                        <a:ea typeface="Lato" panose="020F0502020204030203" pitchFamily="34" charset="0"/>
-                        <a:cs typeface="Lato" panose="020F0502020204030203" pitchFamily="34" charset="0"/>
-                      </a:endParaRPr>
                     </a:p>
                     <a:p>
                       <a:pPr marL="0" marR="0" lvl="0" indent="0" algn="l" defTabSz="1511960" rtl="0" eaLnBrk="1" fontAlgn="auto" latinLnBrk="0" hangingPunct="1">
@@ -8166,7 +8148,7 @@
         </p:xfrm>
         <a:graphic>
           <a:graphicData uri="http://schemas.openxmlformats.org/drawingml/2006/diagram">
-            <dgm:relIds xmlns:dgm="http://schemas.openxmlformats.org/drawingml/2006/diagram" xmlns:r="http://schemas.openxmlformats.org/officeDocument/2006/relationships" r:dm="rId4" r:lo="rId5" r:qs="rId6" r:cs="rId7"/>
+            <dgm:relIds xmlns:dgm="http://schemas.openxmlformats.org/drawingml/2006/diagram" xmlns:r="http://schemas.openxmlformats.org/officeDocument/2006/relationships" r:dm="rId3" r:lo="rId4" r:qs="rId5" r:cs="rId6"/>
           </a:graphicData>
         </a:graphic>
       </p:graphicFrame>
@@ -8239,7 +8221,7 @@
           <p:nvPr/>
         </p:nvPicPr>
         <p:blipFill>
-          <a:blip r:embed="rId9"/>
+          <a:blip r:embed="rId8"/>
           <a:stretch>
             <a:fillRect/>
           </a:stretch>
@@ -8269,7 +8251,7 @@
           <p:nvPr/>
         </p:nvPicPr>
         <p:blipFill>
-          <a:blip r:embed="rId10"/>
+          <a:blip r:embed="rId9"/>
           <a:stretch>
             <a:fillRect/>
           </a:stretch>
@@ -8442,7 +8424,7 @@
           <p:nvPr/>
         </p:nvPicPr>
         <p:blipFill>
-          <a:blip r:embed="rId11"/>
+          <a:blip r:embed="rId10"/>
           <a:srcRect l="2002" t="7834" r="60196" b="2994"/>
           <a:stretch/>
         </p:blipFill>
@@ -8471,7 +8453,7 @@
           <p:nvPr/>
         </p:nvPicPr>
         <p:blipFill>
-          <a:blip r:embed="rId12"/>
+          <a:blip r:embed="rId11"/>
           <a:stretch>
             <a:fillRect/>
           </a:stretch>
@@ -8501,7 +8483,7 @@
           <p:nvPr/>
         </p:nvPicPr>
         <p:blipFill>
-          <a:blip r:embed="rId13"/>
+          <a:blip r:embed="rId12"/>
           <a:srcRect l="8118" t="11337" r="9285" b="12264"/>
           <a:stretch/>
         </p:blipFill>
